--- a/ppt 16-9/0840.同工守则.pptx
+++ b/ppt 16-9/0840.同工守则.pptx
@@ -129,7 +129,7 @@
           <p:cNvPr id="2" name="标题 1">
             <a:extLst>
               <a:ext uri="{FF2B5EF4-FFF2-40B4-BE49-F238E27FC236}">
-                <a16:creationId xmlns:a16="http://schemas.microsoft.com/office/drawing/2014/main" id="{00E5BB7B-DB76-5A85-FD16-32C9CAB0B6D1}"/>
+                <a16:creationId xmlns:a16="http://schemas.microsoft.com/office/drawing/2014/main" id="{2910556D-1683-955E-9562-54A4A50F48AF}"/>
               </a:ext>
             </a:extLst>
           </p:cNvPr>
@@ -166,7 +166,7 @@
           <p:cNvPr id="3" name="副标题 2">
             <a:extLst>
               <a:ext uri="{FF2B5EF4-FFF2-40B4-BE49-F238E27FC236}">
-                <a16:creationId xmlns:a16="http://schemas.microsoft.com/office/drawing/2014/main" id="{3ED6BEF2-0B02-957E-10DF-A867191A6F46}"/>
+                <a16:creationId xmlns:a16="http://schemas.microsoft.com/office/drawing/2014/main" id="{880D15D9-3866-6CCE-6C89-1F4582D7F64F}"/>
               </a:ext>
             </a:extLst>
           </p:cNvPr>
@@ -236,7 +236,7 @@
           <p:cNvPr id="4" name="日期占位符 3">
             <a:extLst>
               <a:ext uri="{FF2B5EF4-FFF2-40B4-BE49-F238E27FC236}">
-                <a16:creationId xmlns:a16="http://schemas.microsoft.com/office/drawing/2014/main" id="{284A2944-7812-43D9-F7CC-D682FE86EC32}"/>
+                <a16:creationId xmlns:a16="http://schemas.microsoft.com/office/drawing/2014/main" id="{D631EB1A-FBC7-1FED-3222-64501BFCF14C}"/>
               </a:ext>
             </a:extLst>
           </p:cNvPr>
@@ -252,7 +252,7 @@
           <a:bodyPr/>
           <a:lstStyle/>
           <a:p>
-            <a:fld id="{50CA6254-1D64-48FC-A2B6-6C4E2F212A0E}" type="datetimeFigureOut">
+            <a:fld id="{59C4095C-E27F-4A38-A0A1-8C0F1AB6A5BC}" type="datetimeFigureOut">
               <a:rPr lang="zh-CN" altLang="en-US" smtClean="0"/>
               <a:t>2024/3/10</a:t>
             </a:fld>
@@ -265,7 +265,7 @@
           <p:cNvPr id="5" name="页脚占位符 4">
             <a:extLst>
               <a:ext uri="{FF2B5EF4-FFF2-40B4-BE49-F238E27FC236}">
-                <a16:creationId xmlns:a16="http://schemas.microsoft.com/office/drawing/2014/main" id="{55AE0D4E-6B2B-2057-C641-B1B99C4CA122}"/>
+                <a16:creationId xmlns:a16="http://schemas.microsoft.com/office/drawing/2014/main" id="{1FE8E41A-1BCE-45C8-8CD2-07906566DA44}"/>
               </a:ext>
             </a:extLst>
           </p:cNvPr>
@@ -290,7 +290,7 @@
           <p:cNvPr id="6" name="灯片编号占位符 5">
             <a:extLst>
               <a:ext uri="{FF2B5EF4-FFF2-40B4-BE49-F238E27FC236}">
-                <a16:creationId xmlns:a16="http://schemas.microsoft.com/office/drawing/2014/main" id="{5D55BA48-AC2E-8F63-89B6-10ECC5BF5664}"/>
+                <a16:creationId xmlns:a16="http://schemas.microsoft.com/office/drawing/2014/main" id="{15569A53-0B23-01FD-CC89-66B9E484EF12}"/>
               </a:ext>
             </a:extLst>
           </p:cNvPr>
@@ -306,7 +306,7 @@
           <a:bodyPr/>
           <a:lstStyle/>
           <a:p>
-            <a:fld id="{1AC4A180-DE55-4D3C-9D1D-489AE816F9AA}" type="slidenum">
+            <a:fld id="{1423C520-137D-4DDA-9691-33488A05BC45}" type="slidenum">
               <a:rPr lang="zh-CN" altLang="en-US" smtClean="0"/>
               <a:t>‹#›</a:t>
             </a:fld>
@@ -317,7 +317,7 @@
     </p:spTree>
     <p:extLst>
       <p:ext uri="{BB962C8B-B14F-4D97-AF65-F5344CB8AC3E}">
-        <p14:creationId xmlns:p14="http://schemas.microsoft.com/office/powerpoint/2010/main" val="374606437"/>
+        <p14:creationId xmlns:p14="http://schemas.microsoft.com/office/powerpoint/2010/main" val="4132163663"/>
       </p:ext>
     </p:extLst>
   </p:cSld>
@@ -349,7 +349,7 @@
           <p:cNvPr id="2" name="标题 1">
             <a:extLst>
               <a:ext uri="{FF2B5EF4-FFF2-40B4-BE49-F238E27FC236}">
-                <a16:creationId xmlns:a16="http://schemas.microsoft.com/office/drawing/2014/main" id="{575F4ED8-7F97-7BE1-576F-BC29B6DFE618}"/>
+                <a16:creationId xmlns:a16="http://schemas.microsoft.com/office/drawing/2014/main" id="{8C20F5C8-36E7-5EB5-8DD4-A304A5877F9B}"/>
               </a:ext>
             </a:extLst>
           </p:cNvPr>
@@ -377,7 +377,7 @@
           <p:cNvPr id="3" name="竖排文字占位符 2">
             <a:extLst>
               <a:ext uri="{FF2B5EF4-FFF2-40B4-BE49-F238E27FC236}">
-                <a16:creationId xmlns:a16="http://schemas.microsoft.com/office/drawing/2014/main" id="{002536D0-6E99-A175-123D-3B1E9C9ACB89}"/>
+                <a16:creationId xmlns:a16="http://schemas.microsoft.com/office/drawing/2014/main" id="{191413F6-1DEB-CDED-07A3-300A8B41E8B8}"/>
               </a:ext>
             </a:extLst>
           </p:cNvPr>
@@ -434,7 +434,7 @@
           <p:cNvPr id="4" name="日期占位符 3">
             <a:extLst>
               <a:ext uri="{FF2B5EF4-FFF2-40B4-BE49-F238E27FC236}">
-                <a16:creationId xmlns:a16="http://schemas.microsoft.com/office/drawing/2014/main" id="{A84BEA6B-6317-757D-4020-138DE649828C}"/>
+                <a16:creationId xmlns:a16="http://schemas.microsoft.com/office/drawing/2014/main" id="{5476B921-8CA4-851B-E3F8-E5AEB94EB1BB}"/>
               </a:ext>
             </a:extLst>
           </p:cNvPr>
@@ -450,7 +450,7 @@
           <a:bodyPr/>
           <a:lstStyle/>
           <a:p>
-            <a:fld id="{50CA6254-1D64-48FC-A2B6-6C4E2F212A0E}" type="datetimeFigureOut">
+            <a:fld id="{59C4095C-E27F-4A38-A0A1-8C0F1AB6A5BC}" type="datetimeFigureOut">
               <a:rPr lang="zh-CN" altLang="en-US" smtClean="0"/>
               <a:t>2024/3/10</a:t>
             </a:fld>
@@ -463,7 +463,7 @@
           <p:cNvPr id="5" name="页脚占位符 4">
             <a:extLst>
               <a:ext uri="{FF2B5EF4-FFF2-40B4-BE49-F238E27FC236}">
-                <a16:creationId xmlns:a16="http://schemas.microsoft.com/office/drawing/2014/main" id="{114FF1EF-68AC-31C9-639E-D9C42F475F6D}"/>
+                <a16:creationId xmlns:a16="http://schemas.microsoft.com/office/drawing/2014/main" id="{EEC8D123-7929-AC51-A4A3-AD2B504BD33D}"/>
               </a:ext>
             </a:extLst>
           </p:cNvPr>
@@ -488,7 +488,7 @@
           <p:cNvPr id="6" name="灯片编号占位符 5">
             <a:extLst>
               <a:ext uri="{FF2B5EF4-FFF2-40B4-BE49-F238E27FC236}">
-                <a16:creationId xmlns:a16="http://schemas.microsoft.com/office/drawing/2014/main" id="{A7571941-FEDA-A158-B2D7-DC2B335ACC5D}"/>
+                <a16:creationId xmlns:a16="http://schemas.microsoft.com/office/drawing/2014/main" id="{FF6C73E1-B2EC-7E76-77D4-3A10240F8C68}"/>
               </a:ext>
             </a:extLst>
           </p:cNvPr>
@@ -504,7 +504,7 @@
           <a:bodyPr/>
           <a:lstStyle/>
           <a:p>
-            <a:fld id="{1AC4A180-DE55-4D3C-9D1D-489AE816F9AA}" type="slidenum">
+            <a:fld id="{1423C520-137D-4DDA-9691-33488A05BC45}" type="slidenum">
               <a:rPr lang="zh-CN" altLang="en-US" smtClean="0"/>
               <a:t>‹#›</a:t>
             </a:fld>
@@ -515,7 +515,7 @@
     </p:spTree>
     <p:extLst>
       <p:ext uri="{BB962C8B-B14F-4D97-AF65-F5344CB8AC3E}">
-        <p14:creationId xmlns:p14="http://schemas.microsoft.com/office/powerpoint/2010/main" val="1650116247"/>
+        <p14:creationId xmlns:p14="http://schemas.microsoft.com/office/powerpoint/2010/main" val="1660958483"/>
       </p:ext>
     </p:extLst>
   </p:cSld>
@@ -547,7 +547,7 @@
           <p:cNvPr id="2" name="竖排标题 1">
             <a:extLst>
               <a:ext uri="{FF2B5EF4-FFF2-40B4-BE49-F238E27FC236}">
-                <a16:creationId xmlns:a16="http://schemas.microsoft.com/office/drawing/2014/main" id="{8482A93E-F885-42DF-C0FD-4920E6344358}"/>
+                <a16:creationId xmlns:a16="http://schemas.microsoft.com/office/drawing/2014/main" id="{C5149C13-A5C9-EF03-F5FB-51DB5574295A}"/>
               </a:ext>
             </a:extLst>
           </p:cNvPr>
@@ -580,7 +580,7 @@
           <p:cNvPr id="3" name="竖排文字占位符 2">
             <a:extLst>
               <a:ext uri="{FF2B5EF4-FFF2-40B4-BE49-F238E27FC236}">
-                <a16:creationId xmlns:a16="http://schemas.microsoft.com/office/drawing/2014/main" id="{F5297A3C-7C28-D9CD-42CC-92FE6F9CA240}"/>
+                <a16:creationId xmlns:a16="http://schemas.microsoft.com/office/drawing/2014/main" id="{809975F1-8B5B-ADFE-F522-2377DC3E98DE}"/>
               </a:ext>
             </a:extLst>
           </p:cNvPr>
@@ -642,7 +642,7 @@
           <p:cNvPr id="4" name="日期占位符 3">
             <a:extLst>
               <a:ext uri="{FF2B5EF4-FFF2-40B4-BE49-F238E27FC236}">
-                <a16:creationId xmlns:a16="http://schemas.microsoft.com/office/drawing/2014/main" id="{6C980A19-7868-CB62-B199-4893258DE3C1}"/>
+                <a16:creationId xmlns:a16="http://schemas.microsoft.com/office/drawing/2014/main" id="{8C4B7FA2-DAAC-E137-8F6A-00BBA774008B}"/>
               </a:ext>
             </a:extLst>
           </p:cNvPr>
@@ -658,7 +658,7 @@
           <a:bodyPr/>
           <a:lstStyle/>
           <a:p>
-            <a:fld id="{50CA6254-1D64-48FC-A2B6-6C4E2F212A0E}" type="datetimeFigureOut">
+            <a:fld id="{59C4095C-E27F-4A38-A0A1-8C0F1AB6A5BC}" type="datetimeFigureOut">
               <a:rPr lang="zh-CN" altLang="en-US" smtClean="0"/>
               <a:t>2024/3/10</a:t>
             </a:fld>
@@ -671,7 +671,7 @@
           <p:cNvPr id="5" name="页脚占位符 4">
             <a:extLst>
               <a:ext uri="{FF2B5EF4-FFF2-40B4-BE49-F238E27FC236}">
-                <a16:creationId xmlns:a16="http://schemas.microsoft.com/office/drawing/2014/main" id="{4403E2B3-2119-393D-D3FD-B09C86D4A39C}"/>
+                <a16:creationId xmlns:a16="http://schemas.microsoft.com/office/drawing/2014/main" id="{7F11C6E5-16B7-4FC1-F5B9-141E3856DB04}"/>
               </a:ext>
             </a:extLst>
           </p:cNvPr>
@@ -696,7 +696,7 @@
           <p:cNvPr id="6" name="灯片编号占位符 5">
             <a:extLst>
               <a:ext uri="{FF2B5EF4-FFF2-40B4-BE49-F238E27FC236}">
-                <a16:creationId xmlns:a16="http://schemas.microsoft.com/office/drawing/2014/main" id="{34733821-4A1D-782C-2F5C-0420B55015FE}"/>
+                <a16:creationId xmlns:a16="http://schemas.microsoft.com/office/drawing/2014/main" id="{52755011-8C1C-5CC7-BB42-3472988583BF}"/>
               </a:ext>
             </a:extLst>
           </p:cNvPr>
@@ -712,7 +712,7 @@
           <a:bodyPr/>
           <a:lstStyle/>
           <a:p>
-            <a:fld id="{1AC4A180-DE55-4D3C-9D1D-489AE816F9AA}" type="slidenum">
+            <a:fld id="{1423C520-137D-4DDA-9691-33488A05BC45}" type="slidenum">
               <a:rPr lang="zh-CN" altLang="en-US" smtClean="0"/>
               <a:t>‹#›</a:t>
             </a:fld>
@@ -723,7 +723,7 @@
     </p:spTree>
     <p:extLst>
       <p:ext uri="{BB962C8B-B14F-4D97-AF65-F5344CB8AC3E}">
-        <p14:creationId xmlns:p14="http://schemas.microsoft.com/office/powerpoint/2010/main" val="2671919304"/>
+        <p14:creationId xmlns:p14="http://schemas.microsoft.com/office/powerpoint/2010/main" val="2066451655"/>
       </p:ext>
     </p:extLst>
   </p:cSld>
@@ -755,7 +755,7 @@
           <p:cNvPr id="2" name="标题 1">
             <a:extLst>
               <a:ext uri="{FF2B5EF4-FFF2-40B4-BE49-F238E27FC236}">
-                <a16:creationId xmlns:a16="http://schemas.microsoft.com/office/drawing/2014/main" id="{C4BAD7EB-99DC-8608-BB58-43CFF1F2CDB9}"/>
+                <a16:creationId xmlns:a16="http://schemas.microsoft.com/office/drawing/2014/main" id="{F2059A60-E0B9-C3A2-FCD1-4D5F9F82AA09}"/>
               </a:ext>
             </a:extLst>
           </p:cNvPr>
@@ -783,7 +783,7 @@
           <p:cNvPr id="3" name="内容占位符 2">
             <a:extLst>
               <a:ext uri="{FF2B5EF4-FFF2-40B4-BE49-F238E27FC236}">
-                <a16:creationId xmlns:a16="http://schemas.microsoft.com/office/drawing/2014/main" id="{3DBFCB77-DB08-D003-C0D1-946BCE33571C}"/>
+                <a16:creationId xmlns:a16="http://schemas.microsoft.com/office/drawing/2014/main" id="{7D1E5895-21EB-87A4-1B2E-F791C4B303A9}"/>
               </a:ext>
             </a:extLst>
           </p:cNvPr>
@@ -840,7 +840,7 @@
           <p:cNvPr id="4" name="日期占位符 3">
             <a:extLst>
               <a:ext uri="{FF2B5EF4-FFF2-40B4-BE49-F238E27FC236}">
-                <a16:creationId xmlns:a16="http://schemas.microsoft.com/office/drawing/2014/main" id="{A3F756ED-C90A-B642-0A74-A6152EEC54BE}"/>
+                <a16:creationId xmlns:a16="http://schemas.microsoft.com/office/drawing/2014/main" id="{B2C9916B-8B15-FDE9-995D-5754CC3F27A8}"/>
               </a:ext>
             </a:extLst>
           </p:cNvPr>
@@ -856,7 +856,7 @@
           <a:bodyPr/>
           <a:lstStyle/>
           <a:p>
-            <a:fld id="{50CA6254-1D64-48FC-A2B6-6C4E2F212A0E}" type="datetimeFigureOut">
+            <a:fld id="{59C4095C-E27F-4A38-A0A1-8C0F1AB6A5BC}" type="datetimeFigureOut">
               <a:rPr lang="zh-CN" altLang="en-US" smtClean="0"/>
               <a:t>2024/3/10</a:t>
             </a:fld>
@@ -869,7 +869,7 @@
           <p:cNvPr id="5" name="页脚占位符 4">
             <a:extLst>
               <a:ext uri="{FF2B5EF4-FFF2-40B4-BE49-F238E27FC236}">
-                <a16:creationId xmlns:a16="http://schemas.microsoft.com/office/drawing/2014/main" id="{82CF1E86-5F6B-67ED-6E40-93B38A28F980}"/>
+                <a16:creationId xmlns:a16="http://schemas.microsoft.com/office/drawing/2014/main" id="{F84F9946-7B89-3A64-5C44-096A071C7B5E}"/>
               </a:ext>
             </a:extLst>
           </p:cNvPr>
@@ -894,7 +894,7 @@
           <p:cNvPr id="6" name="灯片编号占位符 5">
             <a:extLst>
               <a:ext uri="{FF2B5EF4-FFF2-40B4-BE49-F238E27FC236}">
-                <a16:creationId xmlns:a16="http://schemas.microsoft.com/office/drawing/2014/main" id="{31B4633D-AECC-1636-B5BD-1AD67DA9A39E}"/>
+                <a16:creationId xmlns:a16="http://schemas.microsoft.com/office/drawing/2014/main" id="{5F88DD2E-6D6D-74E3-8164-51FCE7B0D43C}"/>
               </a:ext>
             </a:extLst>
           </p:cNvPr>
@@ -910,7 +910,7 @@
           <a:bodyPr/>
           <a:lstStyle/>
           <a:p>
-            <a:fld id="{1AC4A180-DE55-4D3C-9D1D-489AE816F9AA}" type="slidenum">
+            <a:fld id="{1423C520-137D-4DDA-9691-33488A05BC45}" type="slidenum">
               <a:rPr lang="zh-CN" altLang="en-US" smtClean="0"/>
               <a:t>‹#›</a:t>
             </a:fld>
@@ -921,7 +921,7 @@
     </p:spTree>
     <p:extLst>
       <p:ext uri="{BB962C8B-B14F-4D97-AF65-F5344CB8AC3E}">
-        <p14:creationId xmlns:p14="http://schemas.microsoft.com/office/powerpoint/2010/main" val="908142250"/>
+        <p14:creationId xmlns:p14="http://schemas.microsoft.com/office/powerpoint/2010/main" val="2244476968"/>
       </p:ext>
     </p:extLst>
   </p:cSld>
@@ -953,7 +953,7 @@
           <p:cNvPr id="2" name="标题 1">
             <a:extLst>
               <a:ext uri="{FF2B5EF4-FFF2-40B4-BE49-F238E27FC236}">
-                <a16:creationId xmlns:a16="http://schemas.microsoft.com/office/drawing/2014/main" id="{F27028A2-62A5-7AF9-D559-C52275EC061A}"/>
+                <a16:creationId xmlns:a16="http://schemas.microsoft.com/office/drawing/2014/main" id="{A9C9A446-682F-A11C-311D-EB88AA08929B}"/>
               </a:ext>
             </a:extLst>
           </p:cNvPr>
@@ -990,7 +990,7 @@
           <p:cNvPr id="3" name="文本占位符 2">
             <a:extLst>
               <a:ext uri="{FF2B5EF4-FFF2-40B4-BE49-F238E27FC236}">
-                <a16:creationId xmlns:a16="http://schemas.microsoft.com/office/drawing/2014/main" id="{8C54B5E0-6FD8-141E-8C63-99E3CF61B275}"/>
+                <a16:creationId xmlns:a16="http://schemas.microsoft.com/office/drawing/2014/main" id="{32076CAB-B6C7-F25E-F665-428198B6C41B}"/>
               </a:ext>
             </a:extLst>
           </p:cNvPr>
@@ -1115,7 +1115,7 @@
           <p:cNvPr id="4" name="日期占位符 3">
             <a:extLst>
               <a:ext uri="{FF2B5EF4-FFF2-40B4-BE49-F238E27FC236}">
-                <a16:creationId xmlns:a16="http://schemas.microsoft.com/office/drawing/2014/main" id="{F0197E00-B6EA-8FB3-3E52-F1C48FEADAFC}"/>
+                <a16:creationId xmlns:a16="http://schemas.microsoft.com/office/drawing/2014/main" id="{BEA1CA53-26E4-099E-1092-AE4900FF1BE8}"/>
               </a:ext>
             </a:extLst>
           </p:cNvPr>
@@ -1131,7 +1131,7 @@
           <a:bodyPr/>
           <a:lstStyle/>
           <a:p>
-            <a:fld id="{50CA6254-1D64-48FC-A2B6-6C4E2F212A0E}" type="datetimeFigureOut">
+            <a:fld id="{59C4095C-E27F-4A38-A0A1-8C0F1AB6A5BC}" type="datetimeFigureOut">
               <a:rPr lang="zh-CN" altLang="en-US" smtClean="0"/>
               <a:t>2024/3/10</a:t>
             </a:fld>
@@ -1144,7 +1144,7 @@
           <p:cNvPr id="5" name="页脚占位符 4">
             <a:extLst>
               <a:ext uri="{FF2B5EF4-FFF2-40B4-BE49-F238E27FC236}">
-                <a16:creationId xmlns:a16="http://schemas.microsoft.com/office/drawing/2014/main" id="{CECC782C-898A-72E8-9D11-240C17B67E88}"/>
+                <a16:creationId xmlns:a16="http://schemas.microsoft.com/office/drawing/2014/main" id="{A0153AEC-1830-019C-2290-624D01277F22}"/>
               </a:ext>
             </a:extLst>
           </p:cNvPr>
@@ -1169,7 +1169,7 @@
           <p:cNvPr id="6" name="灯片编号占位符 5">
             <a:extLst>
               <a:ext uri="{FF2B5EF4-FFF2-40B4-BE49-F238E27FC236}">
-                <a16:creationId xmlns:a16="http://schemas.microsoft.com/office/drawing/2014/main" id="{3683FD7F-4DA1-ABD8-FFB8-1D8E11CD1B2A}"/>
+                <a16:creationId xmlns:a16="http://schemas.microsoft.com/office/drawing/2014/main" id="{C8CA871C-B467-63DA-9C01-C75CC02FC4D0}"/>
               </a:ext>
             </a:extLst>
           </p:cNvPr>
@@ -1185,7 +1185,7 @@
           <a:bodyPr/>
           <a:lstStyle/>
           <a:p>
-            <a:fld id="{1AC4A180-DE55-4D3C-9D1D-489AE816F9AA}" type="slidenum">
+            <a:fld id="{1423C520-137D-4DDA-9691-33488A05BC45}" type="slidenum">
               <a:rPr lang="zh-CN" altLang="en-US" smtClean="0"/>
               <a:t>‹#›</a:t>
             </a:fld>
@@ -1196,7 +1196,7 @@
     </p:spTree>
     <p:extLst>
       <p:ext uri="{BB962C8B-B14F-4D97-AF65-F5344CB8AC3E}">
-        <p14:creationId xmlns:p14="http://schemas.microsoft.com/office/powerpoint/2010/main" val="2316892087"/>
+        <p14:creationId xmlns:p14="http://schemas.microsoft.com/office/powerpoint/2010/main" val="3744150319"/>
       </p:ext>
     </p:extLst>
   </p:cSld>
@@ -1228,7 +1228,7 @@
           <p:cNvPr id="2" name="标题 1">
             <a:extLst>
               <a:ext uri="{FF2B5EF4-FFF2-40B4-BE49-F238E27FC236}">
-                <a16:creationId xmlns:a16="http://schemas.microsoft.com/office/drawing/2014/main" id="{3123B36A-34A7-D029-D9E4-D36AB7F967D8}"/>
+                <a16:creationId xmlns:a16="http://schemas.microsoft.com/office/drawing/2014/main" id="{2FFF6E08-EFFA-254D-D6EA-FDA7FCED41F7}"/>
               </a:ext>
             </a:extLst>
           </p:cNvPr>
@@ -1256,7 +1256,7 @@
           <p:cNvPr id="3" name="内容占位符 2">
             <a:extLst>
               <a:ext uri="{FF2B5EF4-FFF2-40B4-BE49-F238E27FC236}">
-                <a16:creationId xmlns:a16="http://schemas.microsoft.com/office/drawing/2014/main" id="{DBF3C5C7-A8CC-7B8E-9D4C-2CBB20EFCCD7}"/>
+                <a16:creationId xmlns:a16="http://schemas.microsoft.com/office/drawing/2014/main" id="{9E892713-F929-5C41-5F13-1E2780768290}"/>
               </a:ext>
             </a:extLst>
           </p:cNvPr>
@@ -1318,7 +1318,7 @@
           <p:cNvPr id="4" name="内容占位符 3">
             <a:extLst>
               <a:ext uri="{FF2B5EF4-FFF2-40B4-BE49-F238E27FC236}">
-                <a16:creationId xmlns:a16="http://schemas.microsoft.com/office/drawing/2014/main" id="{7517FB71-25AF-637A-B6FB-0E503A2EF623}"/>
+                <a16:creationId xmlns:a16="http://schemas.microsoft.com/office/drawing/2014/main" id="{9949A443-6657-661C-7B41-A1EDE1C83C05}"/>
               </a:ext>
             </a:extLst>
           </p:cNvPr>
@@ -1380,7 +1380,7 @@
           <p:cNvPr id="5" name="日期占位符 4">
             <a:extLst>
               <a:ext uri="{FF2B5EF4-FFF2-40B4-BE49-F238E27FC236}">
-                <a16:creationId xmlns:a16="http://schemas.microsoft.com/office/drawing/2014/main" id="{967B52D6-5228-82DD-4529-9DB3ABF502A2}"/>
+                <a16:creationId xmlns:a16="http://schemas.microsoft.com/office/drawing/2014/main" id="{AF130982-8837-8893-E3F7-5A84B3D3246D}"/>
               </a:ext>
             </a:extLst>
           </p:cNvPr>
@@ -1396,7 +1396,7 @@
           <a:bodyPr/>
           <a:lstStyle/>
           <a:p>
-            <a:fld id="{50CA6254-1D64-48FC-A2B6-6C4E2F212A0E}" type="datetimeFigureOut">
+            <a:fld id="{59C4095C-E27F-4A38-A0A1-8C0F1AB6A5BC}" type="datetimeFigureOut">
               <a:rPr lang="zh-CN" altLang="en-US" smtClean="0"/>
               <a:t>2024/3/10</a:t>
             </a:fld>
@@ -1409,7 +1409,7 @@
           <p:cNvPr id="6" name="页脚占位符 5">
             <a:extLst>
               <a:ext uri="{FF2B5EF4-FFF2-40B4-BE49-F238E27FC236}">
-                <a16:creationId xmlns:a16="http://schemas.microsoft.com/office/drawing/2014/main" id="{758858E0-1225-B13E-566A-02316CEBA7CE}"/>
+                <a16:creationId xmlns:a16="http://schemas.microsoft.com/office/drawing/2014/main" id="{E3C3A08A-2ECB-8A37-C852-9C9E14EBF283}"/>
               </a:ext>
             </a:extLst>
           </p:cNvPr>
@@ -1434,7 +1434,7 @@
           <p:cNvPr id="7" name="灯片编号占位符 6">
             <a:extLst>
               <a:ext uri="{FF2B5EF4-FFF2-40B4-BE49-F238E27FC236}">
-                <a16:creationId xmlns:a16="http://schemas.microsoft.com/office/drawing/2014/main" id="{A9E3859F-0DA7-8482-34E3-AA98BD9AE715}"/>
+                <a16:creationId xmlns:a16="http://schemas.microsoft.com/office/drawing/2014/main" id="{E2CB6017-C4B0-4B20-6B93-0839B1FD3494}"/>
               </a:ext>
             </a:extLst>
           </p:cNvPr>
@@ -1450,7 +1450,7 @@
           <a:bodyPr/>
           <a:lstStyle/>
           <a:p>
-            <a:fld id="{1AC4A180-DE55-4D3C-9D1D-489AE816F9AA}" type="slidenum">
+            <a:fld id="{1423C520-137D-4DDA-9691-33488A05BC45}" type="slidenum">
               <a:rPr lang="zh-CN" altLang="en-US" smtClean="0"/>
               <a:t>‹#›</a:t>
             </a:fld>
@@ -1461,7 +1461,7 @@
     </p:spTree>
     <p:extLst>
       <p:ext uri="{BB962C8B-B14F-4D97-AF65-F5344CB8AC3E}">
-        <p14:creationId xmlns:p14="http://schemas.microsoft.com/office/powerpoint/2010/main" val="3186405716"/>
+        <p14:creationId xmlns:p14="http://schemas.microsoft.com/office/powerpoint/2010/main" val="567734621"/>
       </p:ext>
     </p:extLst>
   </p:cSld>
@@ -1493,7 +1493,7 @@
           <p:cNvPr id="2" name="标题 1">
             <a:extLst>
               <a:ext uri="{FF2B5EF4-FFF2-40B4-BE49-F238E27FC236}">
-                <a16:creationId xmlns:a16="http://schemas.microsoft.com/office/drawing/2014/main" id="{F4FD6025-2234-59C3-E872-93385DCCBFB2}"/>
+                <a16:creationId xmlns:a16="http://schemas.microsoft.com/office/drawing/2014/main" id="{37F833D8-4F79-C9E3-EB01-3C06B1E20759}"/>
               </a:ext>
             </a:extLst>
           </p:cNvPr>
@@ -1526,7 +1526,7 @@
           <p:cNvPr id="3" name="文本占位符 2">
             <a:extLst>
               <a:ext uri="{FF2B5EF4-FFF2-40B4-BE49-F238E27FC236}">
-                <a16:creationId xmlns:a16="http://schemas.microsoft.com/office/drawing/2014/main" id="{247222CF-DA10-279A-C229-3014F3C3566A}"/>
+                <a16:creationId xmlns:a16="http://schemas.microsoft.com/office/drawing/2014/main" id="{CEE54D08-D79C-E114-8BED-2C209A7C239B}"/>
               </a:ext>
             </a:extLst>
           </p:cNvPr>
@@ -1597,7 +1597,7 @@
           <p:cNvPr id="4" name="内容占位符 3">
             <a:extLst>
               <a:ext uri="{FF2B5EF4-FFF2-40B4-BE49-F238E27FC236}">
-                <a16:creationId xmlns:a16="http://schemas.microsoft.com/office/drawing/2014/main" id="{07C26DB8-5D19-C558-3593-E85DFD2F24FA}"/>
+                <a16:creationId xmlns:a16="http://schemas.microsoft.com/office/drawing/2014/main" id="{89257094-B592-72D2-2A64-D68F3416EA88}"/>
               </a:ext>
             </a:extLst>
           </p:cNvPr>
@@ -1659,7 +1659,7 @@
           <p:cNvPr id="5" name="文本占位符 4">
             <a:extLst>
               <a:ext uri="{FF2B5EF4-FFF2-40B4-BE49-F238E27FC236}">
-                <a16:creationId xmlns:a16="http://schemas.microsoft.com/office/drawing/2014/main" id="{6E23EC00-55F7-988F-B934-B5FD8B01F059}"/>
+                <a16:creationId xmlns:a16="http://schemas.microsoft.com/office/drawing/2014/main" id="{7E0DCD4A-B4A8-547F-2E09-E1C1C6DEF1CB}"/>
               </a:ext>
             </a:extLst>
           </p:cNvPr>
@@ -1730,7 +1730,7 @@
           <p:cNvPr id="6" name="内容占位符 5">
             <a:extLst>
               <a:ext uri="{FF2B5EF4-FFF2-40B4-BE49-F238E27FC236}">
-                <a16:creationId xmlns:a16="http://schemas.microsoft.com/office/drawing/2014/main" id="{8ADE80B7-2397-C02D-BAB7-009B81DF089F}"/>
+                <a16:creationId xmlns:a16="http://schemas.microsoft.com/office/drawing/2014/main" id="{BCA211FA-83E1-A114-AA39-1E74D9D7701A}"/>
               </a:ext>
             </a:extLst>
           </p:cNvPr>
@@ -1792,7 +1792,7 @@
           <p:cNvPr id="7" name="日期占位符 6">
             <a:extLst>
               <a:ext uri="{FF2B5EF4-FFF2-40B4-BE49-F238E27FC236}">
-                <a16:creationId xmlns:a16="http://schemas.microsoft.com/office/drawing/2014/main" id="{9D45B213-163D-530C-A5AB-AD5003AD66DB}"/>
+                <a16:creationId xmlns:a16="http://schemas.microsoft.com/office/drawing/2014/main" id="{06278473-C6C5-4FCF-E3BC-6201243CAFF5}"/>
               </a:ext>
             </a:extLst>
           </p:cNvPr>
@@ -1808,7 +1808,7 @@
           <a:bodyPr/>
           <a:lstStyle/>
           <a:p>
-            <a:fld id="{50CA6254-1D64-48FC-A2B6-6C4E2F212A0E}" type="datetimeFigureOut">
+            <a:fld id="{59C4095C-E27F-4A38-A0A1-8C0F1AB6A5BC}" type="datetimeFigureOut">
               <a:rPr lang="zh-CN" altLang="en-US" smtClean="0"/>
               <a:t>2024/3/10</a:t>
             </a:fld>
@@ -1821,7 +1821,7 @@
           <p:cNvPr id="8" name="页脚占位符 7">
             <a:extLst>
               <a:ext uri="{FF2B5EF4-FFF2-40B4-BE49-F238E27FC236}">
-                <a16:creationId xmlns:a16="http://schemas.microsoft.com/office/drawing/2014/main" id="{DB259EC2-E3A5-E6C6-DFE1-75A2196081A6}"/>
+                <a16:creationId xmlns:a16="http://schemas.microsoft.com/office/drawing/2014/main" id="{AF0595F8-F884-3417-1A63-C545BFDD2F67}"/>
               </a:ext>
             </a:extLst>
           </p:cNvPr>
@@ -1846,7 +1846,7 @@
           <p:cNvPr id="9" name="灯片编号占位符 8">
             <a:extLst>
               <a:ext uri="{FF2B5EF4-FFF2-40B4-BE49-F238E27FC236}">
-                <a16:creationId xmlns:a16="http://schemas.microsoft.com/office/drawing/2014/main" id="{7734EC0F-4FAD-4A4D-0BB5-27A084EA19CF}"/>
+                <a16:creationId xmlns:a16="http://schemas.microsoft.com/office/drawing/2014/main" id="{C2030F0E-275E-9AFD-36DF-B52A60726E7C}"/>
               </a:ext>
             </a:extLst>
           </p:cNvPr>
@@ -1862,7 +1862,7 @@
           <a:bodyPr/>
           <a:lstStyle/>
           <a:p>
-            <a:fld id="{1AC4A180-DE55-4D3C-9D1D-489AE816F9AA}" type="slidenum">
+            <a:fld id="{1423C520-137D-4DDA-9691-33488A05BC45}" type="slidenum">
               <a:rPr lang="zh-CN" altLang="en-US" smtClean="0"/>
               <a:t>‹#›</a:t>
             </a:fld>
@@ -1873,7 +1873,7 @@
     </p:spTree>
     <p:extLst>
       <p:ext uri="{BB962C8B-B14F-4D97-AF65-F5344CB8AC3E}">
-        <p14:creationId xmlns:p14="http://schemas.microsoft.com/office/powerpoint/2010/main" val="4004895493"/>
+        <p14:creationId xmlns:p14="http://schemas.microsoft.com/office/powerpoint/2010/main" val="3005664680"/>
       </p:ext>
     </p:extLst>
   </p:cSld>
@@ -1905,7 +1905,7 @@
           <p:cNvPr id="2" name="标题 1">
             <a:extLst>
               <a:ext uri="{FF2B5EF4-FFF2-40B4-BE49-F238E27FC236}">
-                <a16:creationId xmlns:a16="http://schemas.microsoft.com/office/drawing/2014/main" id="{D52433B6-89EA-653B-C282-97A1C2678F6A}"/>
+                <a16:creationId xmlns:a16="http://schemas.microsoft.com/office/drawing/2014/main" id="{D3A894CF-AFD8-C1DE-6CD4-2BF373462901}"/>
               </a:ext>
             </a:extLst>
           </p:cNvPr>
@@ -1933,7 +1933,7 @@
           <p:cNvPr id="3" name="日期占位符 2">
             <a:extLst>
               <a:ext uri="{FF2B5EF4-FFF2-40B4-BE49-F238E27FC236}">
-                <a16:creationId xmlns:a16="http://schemas.microsoft.com/office/drawing/2014/main" id="{09E73DBD-5E62-D43F-2E1F-844AC490875F}"/>
+                <a16:creationId xmlns:a16="http://schemas.microsoft.com/office/drawing/2014/main" id="{A64FFEE4-23FD-DC90-E255-E8EFC350710A}"/>
               </a:ext>
             </a:extLst>
           </p:cNvPr>
@@ -1949,7 +1949,7 @@
           <a:bodyPr/>
           <a:lstStyle/>
           <a:p>
-            <a:fld id="{50CA6254-1D64-48FC-A2B6-6C4E2F212A0E}" type="datetimeFigureOut">
+            <a:fld id="{59C4095C-E27F-4A38-A0A1-8C0F1AB6A5BC}" type="datetimeFigureOut">
               <a:rPr lang="zh-CN" altLang="en-US" smtClean="0"/>
               <a:t>2024/3/10</a:t>
             </a:fld>
@@ -1962,7 +1962,7 @@
           <p:cNvPr id="4" name="页脚占位符 3">
             <a:extLst>
               <a:ext uri="{FF2B5EF4-FFF2-40B4-BE49-F238E27FC236}">
-                <a16:creationId xmlns:a16="http://schemas.microsoft.com/office/drawing/2014/main" id="{D1285CC1-C538-8676-F616-3D2E856A422F}"/>
+                <a16:creationId xmlns:a16="http://schemas.microsoft.com/office/drawing/2014/main" id="{44B8F066-939B-297B-F7FB-7E98A32C3866}"/>
               </a:ext>
             </a:extLst>
           </p:cNvPr>
@@ -1987,7 +1987,7 @@
           <p:cNvPr id="5" name="灯片编号占位符 4">
             <a:extLst>
               <a:ext uri="{FF2B5EF4-FFF2-40B4-BE49-F238E27FC236}">
-                <a16:creationId xmlns:a16="http://schemas.microsoft.com/office/drawing/2014/main" id="{EF64C139-81A8-EC02-5153-AB2A62CB502D}"/>
+                <a16:creationId xmlns:a16="http://schemas.microsoft.com/office/drawing/2014/main" id="{A7615E54-FBC6-3310-12A4-C6095E2798C7}"/>
               </a:ext>
             </a:extLst>
           </p:cNvPr>
@@ -2003,7 +2003,7 @@
           <a:bodyPr/>
           <a:lstStyle/>
           <a:p>
-            <a:fld id="{1AC4A180-DE55-4D3C-9D1D-489AE816F9AA}" type="slidenum">
+            <a:fld id="{1423C520-137D-4DDA-9691-33488A05BC45}" type="slidenum">
               <a:rPr lang="zh-CN" altLang="en-US" smtClean="0"/>
               <a:t>‹#›</a:t>
             </a:fld>
@@ -2014,7 +2014,7 @@
     </p:spTree>
     <p:extLst>
       <p:ext uri="{BB962C8B-B14F-4D97-AF65-F5344CB8AC3E}">
-        <p14:creationId xmlns:p14="http://schemas.microsoft.com/office/powerpoint/2010/main" val="1006295575"/>
+        <p14:creationId xmlns:p14="http://schemas.microsoft.com/office/powerpoint/2010/main" val="1461386077"/>
       </p:ext>
     </p:extLst>
   </p:cSld>
@@ -2046,7 +2046,7 @@
           <p:cNvPr id="2" name="日期占位符 1">
             <a:extLst>
               <a:ext uri="{FF2B5EF4-FFF2-40B4-BE49-F238E27FC236}">
-                <a16:creationId xmlns:a16="http://schemas.microsoft.com/office/drawing/2014/main" id="{35092B2A-19D9-D0A3-AFFD-BCD69B3DF433}"/>
+                <a16:creationId xmlns:a16="http://schemas.microsoft.com/office/drawing/2014/main" id="{39BA1E72-2AA4-D79D-B73E-8797B8FEED8E}"/>
               </a:ext>
             </a:extLst>
           </p:cNvPr>
@@ -2062,7 +2062,7 @@
           <a:bodyPr/>
           <a:lstStyle/>
           <a:p>
-            <a:fld id="{50CA6254-1D64-48FC-A2B6-6C4E2F212A0E}" type="datetimeFigureOut">
+            <a:fld id="{59C4095C-E27F-4A38-A0A1-8C0F1AB6A5BC}" type="datetimeFigureOut">
               <a:rPr lang="zh-CN" altLang="en-US" smtClean="0"/>
               <a:t>2024/3/10</a:t>
             </a:fld>
@@ -2075,7 +2075,7 @@
           <p:cNvPr id="3" name="页脚占位符 2">
             <a:extLst>
               <a:ext uri="{FF2B5EF4-FFF2-40B4-BE49-F238E27FC236}">
-                <a16:creationId xmlns:a16="http://schemas.microsoft.com/office/drawing/2014/main" id="{4CE47012-BEEF-BFD2-25FD-D8883E6D1A94}"/>
+                <a16:creationId xmlns:a16="http://schemas.microsoft.com/office/drawing/2014/main" id="{6F762282-8538-3A3E-602A-1BE0451EA661}"/>
               </a:ext>
             </a:extLst>
           </p:cNvPr>
@@ -2100,7 +2100,7 @@
           <p:cNvPr id="4" name="灯片编号占位符 3">
             <a:extLst>
               <a:ext uri="{FF2B5EF4-FFF2-40B4-BE49-F238E27FC236}">
-                <a16:creationId xmlns:a16="http://schemas.microsoft.com/office/drawing/2014/main" id="{D99D3159-15A1-DBF5-7D69-D3A1EAAFBEBA}"/>
+                <a16:creationId xmlns:a16="http://schemas.microsoft.com/office/drawing/2014/main" id="{2BF29EE8-9586-1EA4-2964-47E9759A2468}"/>
               </a:ext>
             </a:extLst>
           </p:cNvPr>
@@ -2116,7 +2116,7 @@
           <a:bodyPr/>
           <a:lstStyle/>
           <a:p>
-            <a:fld id="{1AC4A180-DE55-4D3C-9D1D-489AE816F9AA}" type="slidenum">
+            <a:fld id="{1423C520-137D-4DDA-9691-33488A05BC45}" type="slidenum">
               <a:rPr lang="zh-CN" altLang="en-US" smtClean="0"/>
               <a:t>‹#›</a:t>
             </a:fld>
@@ -2127,7 +2127,7 @@
     </p:spTree>
     <p:extLst>
       <p:ext uri="{BB962C8B-B14F-4D97-AF65-F5344CB8AC3E}">
-        <p14:creationId xmlns:p14="http://schemas.microsoft.com/office/powerpoint/2010/main" val="3116611668"/>
+        <p14:creationId xmlns:p14="http://schemas.microsoft.com/office/powerpoint/2010/main" val="1829176846"/>
       </p:ext>
     </p:extLst>
   </p:cSld>
@@ -2159,7 +2159,7 @@
           <p:cNvPr id="2" name="标题 1">
             <a:extLst>
               <a:ext uri="{FF2B5EF4-FFF2-40B4-BE49-F238E27FC236}">
-                <a16:creationId xmlns:a16="http://schemas.microsoft.com/office/drawing/2014/main" id="{FDBD6A00-245C-9D1C-CA24-6969C146AE4A}"/>
+                <a16:creationId xmlns:a16="http://schemas.microsoft.com/office/drawing/2014/main" id="{A279434E-3F25-28CB-05AF-53FFC599809D}"/>
               </a:ext>
             </a:extLst>
           </p:cNvPr>
@@ -2196,7 +2196,7 @@
           <p:cNvPr id="3" name="内容占位符 2">
             <a:extLst>
               <a:ext uri="{FF2B5EF4-FFF2-40B4-BE49-F238E27FC236}">
-                <a16:creationId xmlns:a16="http://schemas.microsoft.com/office/drawing/2014/main" id="{F3005426-38CA-3343-2250-957A10D8A5CE}"/>
+                <a16:creationId xmlns:a16="http://schemas.microsoft.com/office/drawing/2014/main" id="{DE88E2D1-F5E7-F3AC-79A0-AE475D816710}"/>
               </a:ext>
             </a:extLst>
           </p:cNvPr>
@@ -2286,7 +2286,7 @@
           <p:cNvPr id="4" name="文本占位符 3">
             <a:extLst>
               <a:ext uri="{FF2B5EF4-FFF2-40B4-BE49-F238E27FC236}">
-                <a16:creationId xmlns:a16="http://schemas.microsoft.com/office/drawing/2014/main" id="{F675623C-4387-2F35-EEF1-4D108C59F4F6}"/>
+                <a16:creationId xmlns:a16="http://schemas.microsoft.com/office/drawing/2014/main" id="{B9D48DDE-E6C3-796A-6029-9BB15B5806A9}"/>
               </a:ext>
             </a:extLst>
           </p:cNvPr>
@@ -2357,7 +2357,7 @@
           <p:cNvPr id="5" name="日期占位符 4">
             <a:extLst>
               <a:ext uri="{FF2B5EF4-FFF2-40B4-BE49-F238E27FC236}">
-                <a16:creationId xmlns:a16="http://schemas.microsoft.com/office/drawing/2014/main" id="{C7D6ADAF-44EB-8EF8-4318-8A10352E844D}"/>
+                <a16:creationId xmlns:a16="http://schemas.microsoft.com/office/drawing/2014/main" id="{7EE44E01-E859-D93F-7B75-7039A1F2AE68}"/>
               </a:ext>
             </a:extLst>
           </p:cNvPr>
@@ -2373,7 +2373,7 @@
           <a:bodyPr/>
           <a:lstStyle/>
           <a:p>
-            <a:fld id="{50CA6254-1D64-48FC-A2B6-6C4E2F212A0E}" type="datetimeFigureOut">
+            <a:fld id="{59C4095C-E27F-4A38-A0A1-8C0F1AB6A5BC}" type="datetimeFigureOut">
               <a:rPr lang="zh-CN" altLang="en-US" smtClean="0"/>
               <a:t>2024/3/10</a:t>
             </a:fld>
@@ -2386,7 +2386,7 @@
           <p:cNvPr id="6" name="页脚占位符 5">
             <a:extLst>
               <a:ext uri="{FF2B5EF4-FFF2-40B4-BE49-F238E27FC236}">
-                <a16:creationId xmlns:a16="http://schemas.microsoft.com/office/drawing/2014/main" id="{37D2FEAC-D28E-2EE9-BB5A-111CAEB9DC04}"/>
+                <a16:creationId xmlns:a16="http://schemas.microsoft.com/office/drawing/2014/main" id="{FD30037F-9F55-0B64-90D7-F70824FD6003}"/>
               </a:ext>
             </a:extLst>
           </p:cNvPr>
@@ -2411,7 +2411,7 @@
           <p:cNvPr id="7" name="灯片编号占位符 6">
             <a:extLst>
               <a:ext uri="{FF2B5EF4-FFF2-40B4-BE49-F238E27FC236}">
-                <a16:creationId xmlns:a16="http://schemas.microsoft.com/office/drawing/2014/main" id="{42E8ADE5-53CD-51A6-524E-BB4BD8711B4D}"/>
+                <a16:creationId xmlns:a16="http://schemas.microsoft.com/office/drawing/2014/main" id="{BB807C91-A9C7-DA60-CEAF-194EAE6301BE}"/>
               </a:ext>
             </a:extLst>
           </p:cNvPr>
@@ -2427,7 +2427,7 @@
           <a:bodyPr/>
           <a:lstStyle/>
           <a:p>
-            <a:fld id="{1AC4A180-DE55-4D3C-9D1D-489AE816F9AA}" type="slidenum">
+            <a:fld id="{1423C520-137D-4DDA-9691-33488A05BC45}" type="slidenum">
               <a:rPr lang="zh-CN" altLang="en-US" smtClean="0"/>
               <a:t>‹#›</a:t>
             </a:fld>
@@ -2438,7 +2438,7 @@
     </p:spTree>
     <p:extLst>
       <p:ext uri="{BB962C8B-B14F-4D97-AF65-F5344CB8AC3E}">
-        <p14:creationId xmlns:p14="http://schemas.microsoft.com/office/powerpoint/2010/main" val="3345769369"/>
+        <p14:creationId xmlns:p14="http://schemas.microsoft.com/office/powerpoint/2010/main" val="3824681649"/>
       </p:ext>
     </p:extLst>
   </p:cSld>
@@ -2470,7 +2470,7 @@
           <p:cNvPr id="2" name="标题 1">
             <a:extLst>
               <a:ext uri="{FF2B5EF4-FFF2-40B4-BE49-F238E27FC236}">
-                <a16:creationId xmlns:a16="http://schemas.microsoft.com/office/drawing/2014/main" id="{B385C753-75C1-D112-226E-7893B3AF9790}"/>
+                <a16:creationId xmlns:a16="http://schemas.microsoft.com/office/drawing/2014/main" id="{6016BCB6-30EA-A87F-0297-E1EC8D2F6A50}"/>
               </a:ext>
             </a:extLst>
           </p:cNvPr>
@@ -2507,7 +2507,7 @@
           <p:cNvPr id="3" name="图片占位符 2">
             <a:extLst>
               <a:ext uri="{FF2B5EF4-FFF2-40B4-BE49-F238E27FC236}">
-                <a16:creationId xmlns:a16="http://schemas.microsoft.com/office/drawing/2014/main" id="{72C30E59-8FEB-A775-DD74-99A1385800FB}"/>
+                <a16:creationId xmlns:a16="http://schemas.microsoft.com/office/drawing/2014/main" id="{00EBF78A-BD49-DAEC-447A-0C22A0817E4A}"/>
               </a:ext>
             </a:extLst>
           </p:cNvPr>
@@ -2574,7 +2574,7 @@
           <p:cNvPr id="4" name="文本占位符 3">
             <a:extLst>
               <a:ext uri="{FF2B5EF4-FFF2-40B4-BE49-F238E27FC236}">
-                <a16:creationId xmlns:a16="http://schemas.microsoft.com/office/drawing/2014/main" id="{BB22AB36-E8A8-6383-C61A-D461A2367E39}"/>
+                <a16:creationId xmlns:a16="http://schemas.microsoft.com/office/drawing/2014/main" id="{3E6A3EB4-118B-683F-65E6-197EF8D2A4AB}"/>
               </a:ext>
             </a:extLst>
           </p:cNvPr>
@@ -2645,7 +2645,7 @@
           <p:cNvPr id="5" name="日期占位符 4">
             <a:extLst>
               <a:ext uri="{FF2B5EF4-FFF2-40B4-BE49-F238E27FC236}">
-                <a16:creationId xmlns:a16="http://schemas.microsoft.com/office/drawing/2014/main" id="{6E1C1AC6-3EF5-8FD9-3400-05C18CEA4084}"/>
+                <a16:creationId xmlns:a16="http://schemas.microsoft.com/office/drawing/2014/main" id="{5E1DF8A4-E236-8391-2A92-82D70DB1053F}"/>
               </a:ext>
             </a:extLst>
           </p:cNvPr>
@@ -2661,7 +2661,7 @@
           <a:bodyPr/>
           <a:lstStyle/>
           <a:p>
-            <a:fld id="{50CA6254-1D64-48FC-A2B6-6C4E2F212A0E}" type="datetimeFigureOut">
+            <a:fld id="{59C4095C-E27F-4A38-A0A1-8C0F1AB6A5BC}" type="datetimeFigureOut">
               <a:rPr lang="zh-CN" altLang="en-US" smtClean="0"/>
               <a:t>2024/3/10</a:t>
             </a:fld>
@@ -2674,7 +2674,7 @@
           <p:cNvPr id="6" name="页脚占位符 5">
             <a:extLst>
               <a:ext uri="{FF2B5EF4-FFF2-40B4-BE49-F238E27FC236}">
-                <a16:creationId xmlns:a16="http://schemas.microsoft.com/office/drawing/2014/main" id="{625940F2-D178-422F-5F92-9CCCA921ACDC}"/>
+                <a16:creationId xmlns:a16="http://schemas.microsoft.com/office/drawing/2014/main" id="{23842FCA-8E37-D78E-2557-B2A913B12671}"/>
               </a:ext>
             </a:extLst>
           </p:cNvPr>
@@ -2699,7 +2699,7 @@
           <p:cNvPr id="7" name="灯片编号占位符 6">
             <a:extLst>
               <a:ext uri="{FF2B5EF4-FFF2-40B4-BE49-F238E27FC236}">
-                <a16:creationId xmlns:a16="http://schemas.microsoft.com/office/drawing/2014/main" id="{732E2E46-606B-758F-8401-F77E12E9BAA9}"/>
+                <a16:creationId xmlns:a16="http://schemas.microsoft.com/office/drawing/2014/main" id="{F6C59BE7-BDC9-B4D3-E343-B65D055CA40D}"/>
               </a:ext>
             </a:extLst>
           </p:cNvPr>
@@ -2715,7 +2715,7 @@
           <a:bodyPr/>
           <a:lstStyle/>
           <a:p>
-            <a:fld id="{1AC4A180-DE55-4D3C-9D1D-489AE816F9AA}" type="slidenum">
+            <a:fld id="{1423C520-137D-4DDA-9691-33488A05BC45}" type="slidenum">
               <a:rPr lang="zh-CN" altLang="en-US" smtClean="0"/>
               <a:t>‹#›</a:t>
             </a:fld>
@@ -2726,7 +2726,7 @@
     </p:spTree>
     <p:extLst>
       <p:ext uri="{BB962C8B-B14F-4D97-AF65-F5344CB8AC3E}">
-        <p14:creationId xmlns:p14="http://schemas.microsoft.com/office/powerpoint/2010/main" val="4252733647"/>
+        <p14:creationId xmlns:p14="http://schemas.microsoft.com/office/powerpoint/2010/main" val="2054644222"/>
       </p:ext>
     </p:extLst>
   </p:cSld>
@@ -2763,7 +2763,7 @@
           <p:cNvPr id="2" name="标题占位符 1">
             <a:extLst>
               <a:ext uri="{FF2B5EF4-FFF2-40B4-BE49-F238E27FC236}">
-                <a16:creationId xmlns:a16="http://schemas.microsoft.com/office/drawing/2014/main" id="{5996A2E4-3918-0C3C-689A-306A35BBC6E8}"/>
+                <a16:creationId xmlns:a16="http://schemas.microsoft.com/office/drawing/2014/main" id="{02C8B256-87C7-C0A1-FC4E-18B4300EBCB4}"/>
               </a:ext>
             </a:extLst>
           </p:cNvPr>
@@ -2801,7 +2801,7 @@
           <p:cNvPr id="3" name="文本占位符 2">
             <a:extLst>
               <a:ext uri="{FF2B5EF4-FFF2-40B4-BE49-F238E27FC236}">
-                <a16:creationId xmlns:a16="http://schemas.microsoft.com/office/drawing/2014/main" id="{60D96AFB-777E-C2C4-E41F-A25ADEF6761E}"/>
+                <a16:creationId xmlns:a16="http://schemas.microsoft.com/office/drawing/2014/main" id="{10030481-8F79-9DA1-4C43-73F817341529}"/>
               </a:ext>
             </a:extLst>
           </p:cNvPr>
@@ -2868,7 +2868,7 @@
           <p:cNvPr id="4" name="日期占位符 3">
             <a:extLst>
               <a:ext uri="{FF2B5EF4-FFF2-40B4-BE49-F238E27FC236}">
-                <a16:creationId xmlns:a16="http://schemas.microsoft.com/office/drawing/2014/main" id="{D8C67D55-18D7-70A8-16F2-496A8F52A054}"/>
+                <a16:creationId xmlns:a16="http://schemas.microsoft.com/office/drawing/2014/main" id="{58EE20AA-347D-8AA2-D537-E81302814FD7}"/>
               </a:ext>
             </a:extLst>
           </p:cNvPr>
@@ -2902,7 +2902,7 @@
             </a:lvl1pPr>
           </a:lstStyle>
           <a:p>
-            <a:fld id="{50CA6254-1D64-48FC-A2B6-6C4E2F212A0E}" type="datetimeFigureOut">
+            <a:fld id="{59C4095C-E27F-4A38-A0A1-8C0F1AB6A5BC}" type="datetimeFigureOut">
               <a:rPr lang="zh-CN" altLang="en-US" smtClean="0"/>
               <a:t>2024/3/10</a:t>
             </a:fld>
@@ -2915,7 +2915,7 @@
           <p:cNvPr id="5" name="页脚占位符 4">
             <a:extLst>
               <a:ext uri="{FF2B5EF4-FFF2-40B4-BE49-F238E27FC236}">
-                <a16:creationId xmlns:a16="http://schemas.microsoft.com/office/drawing/2014/main" id="{991D4350-D846-7085-2980-91EE52790813}"/>
+                <a16:creationId xmlns:a16="http://schemas.microsoft.com/office/drawing/2014/main" id="{8F3B7F64-4C62-8A21-39FD-81FF123B9D7E}"/>
               </a:ext>
             </a:extLst>
           </p:cNvPr>
@@ -2958,7 +2958,7 @@
           <p:cNvPr id="6" name="灯片编号占位符 5">
             <a:extLst>
               <a:ext uri="{FF2B5EF4-FFF2-40B4-BE49-F238E27FC236}">
-                <a16:creationId xmlns:a16="http://schemas.microsoft.com/office/drawing/2014/main" id="{B18EB776-A223-3265-D2A9-18FEF032A1C4}"/>
+                <a16:creationId xmlns:a16="http://schemas.microsoft.com/office/drawing/2014/main" id="{917AB445-437D-0872-7C33-4E7D10EB09CD}"/>
               </a:ext>
             </a:extLst>
           </p:cNvPr>
@@ -2992,7 +2992,7 @@
             </a:lvl1pPr>
           </a:lstStyle>
           <a:p>
-            <a:fld id="{1AC4A180-DE55-4D3C-9D1D-489AE816F9AA}" type="slidenum">
+            <a:fld id="{1423C520-137D-4DDA-9691-33488A05BC45}" type="slidenum">
               <a:rPr lang="zh-CN" altLang="en-US" smtClean="0"/>
               <a:t>‹#›</a:t>
             </a:fld>
@@ -3003,7 +3003,7 @@
     </p:spTree>
     <p:extLst>
       <p:ext uri="{BB962C8B-B14F-4D97-AF65-F5344CB8AC3E}">
-        <p14:creationId xmlns:p14="http://schemas.microsoft.com/office/powerpoint/2010/main" val="3618397333"/>
+        <p14:creationId xmlns:p14="http://schemas.microsoft.com/office/powerpoint/2010/main" val="1974845483"/>
       </p:ext>
     </p:extLst>
   </p:cSld>
